--- a/miniapp/serial/miniapp.pptx
+++ b/miniapp/serial/miniapp.pptx
@@ -230,7 +230,7 @@
           <a:p>
             <a:fld id="{208BF848-EB8C-4B46-8F6A-4F4D11BE061D}" type="datetimeFigureOut">
               <a:rPr lang="en-US" smtClean="0"/>
-              <a:t>7/14/17</a:t>
+              <a:t>7/17/17</a:t>
             </a:fld>
             <a:endParaRPr lang="en-US"/>
           </a:p>
@@ -637,7 +637,7 @@
           <a:p>
             <a:fld id="{1D8BD707-D9CF-40AE-B4C6-C98DA3205C09}" type="datetimeFigureOut">
               <a:rPr lang="en-US"/>
-              <a:t>7/14/17</a:t>
+              <a:t>7/17/17</a:t>
             </a:fld>
             <a:endParaRPr lang="en-US"/>
           </a:p>
@@ -814,7 +814,7 @@
           <a:p>
             <a:fld id="{1D8BD707-D9CF-40AE-B4C6-C98DA3205C09}" type="datetimeFigureOut">
               <a:rPr lang="en-US"/>
-              <a:t>7/14/17</a:t>
+              <a:t>7/17/17</a:t>
             </a:fld>
             <a:endParaRPr lang="en-US"/>
           </a:p>
@@ -1028,7 +1028,7 @@
           <a:p>
             <a:fld id="{1D8BD707-D9CF-40AE-B4C6-C98DA3205C09}" type="datetimeFigureOut">
               <a:rPr lang="en-US"/>
-              <a:t>7/14/17</a:t>
+              <a:t>7/17/17</a:t>
             </a:fld>
             <a:endParaRPr lang="en-US"/>
           </a:p>
@@ -1176,7 +1176,7 @@
           <a:p>
             <a:fld id="{1D8BD707-D9CF-40AE-B4C6-C98DA3205C09}" type="datetimeFigureOut">
               <a:rPr lang="en-US"/>
-              <a:t>7/14/17</a:t>
+              <a:t>7/17/17</a:t>
             </a:fld>
             <a:endParaRPr lang="en-US"/>
           </a:p>
@@ -1295,7 +1295,7 @@
           <a:p>
             <a:fld id="{1D8BD707-D9CF-40AE-B4C6-C98DA3205C09}" type="datetimeFigureOut">
               <a:rPr lang="en-US"/>
-              <a:t>7/14/17</a:t>
+              <a:t>7/17/17</a:t>
             </a:fld>
             <a:endParaRPr lang="en-US"/>
           </a:p>
@@ -1630,7 +1630,7 @@
           <a:p>
             <a:fld id="{1D8BD707-D9CF-40AE-B4C6-C98DA3205C09}" type="datetimeFigureOut">
               <a:rPr lang="en-US"/>
-              <a:t>7/14/17</a:t>
+              <a:t>7/17/17</a:t>
             </a:fld>
             <a:endParaRPr lang="en-US"/>
           </a:p>
@@ -23545,7 +23545,7 @@
         <p:spPr>
           <a:xfrm>
             <a:off x="4123435" y="1641500"/>
-            <a:ext cx="3592195" cy="532130"/>
+            <a:ext cx="3592195" cy="504625"/>
           </a:xfrm>
           <a:prstGeom prst="rect">
             <a:avLst/>
@@ -23591,7 +23591,7 @@
               </a:rPr>
               <a:t>missing</a:t>
             </a:r>
-            <a:endParaRPr sz="1600">
+            <a:endParaRPr sz="1600" dirty="0">
               <a:latin typeface="Lucida Console"/>
               <a:cs typeface="Lucida Console"/>
             </a:endParaRPr>
@@ -23617,13 +23617,27 @@
               <a:t> </a:t>
             </a:r>
             <a:r>
-              <a:rPr sz="1600" spc="-5" dirty="0">
+              <a:rPr sz="1600" spc="-5" dirty="0" smtClean="0">
                 <a:latin typeface="Lucida Console"/>
                 <a:cs typeface="Lucida Console"/>
               </a:rPr>
-              <a:t>nieghbours</a:t>
-            </a:r>
-            <a:endParaRPr sz="1600">
+              <a:t>n</a:t>
+            </a:r>
+            <a:r>
+              <a:rPr lang="en-US" sz="1600" spc="-5" dirty="0" smtClean="0">
+                <a:latin typeface="Lucida Console"/>
+                <a:cs typeface="Lucida Console"/>
+              </a:rPr>
+              <a:t>ei</a:t>
+            </a:r>
+            <a:r>
+              <a:rPr sz="1600" spc="-5" dirty="0" smtClean="0">
+                <a:latin typeface="Lucida Console"/>
+                <a:cs typeface="Lucida Console"/>
+              </a:rPr>
+              <a:t>ghbours</a:t>
+            </a:r>
+            <a:endParaRPr sz="1600" dirty="0">
               <a:latin typeface="Lucida Console"/>
               <a:cs typeface="Lucida Console"/>
             </a:endParaRPr>
@@ -30684,7 +30698,7 @@
         <p:spPr>
           <a:xfrm>
             <a:off x="593755" y="4690109"/>
-            <a:ext cx="7576820" cy="855980"/>
+            <a:ext cx="7576820" cy="669414"/>
           </a:xfrm>
           <a:prstGeom prst="rect">
             <a:avLst/>
@@ -30733,7 +30747,7 @@
               </a:rPr>
               <a:t>make</a:t>
             </a:r>
-            <a:endParaRPr sz="1600">
+            <a:endParaRPr sz="1600" dirty="0">
               <a:latin typeface="Lucida Console"/>
               <a:cs typeface="Lucida Console"/>
             </a:endParaRPr>
@@ -30752,7 +30766,70 @@
                 <a:latin typeface="Lucida Console"/>
                 <a:cs typeface="Lucida Console"/>
               </a:rPr>
-              <a:t>&gt; srun –n1 ./main 128 128 100 0.01</a:t>
+              <a:t>&gt; </a:t>
+            </a:r>
+            <a:r>
+              <a:rPr sz="1600" spc="-5">
+                <a:latin typeface="Lucida Console"/>
+                <a:cs typeface="Lucida Console"/>
+              </a:rPr>
+              <a:t>srun </a:t>
+            </a:r>
+            <a:r>
+              <a:rPr lang="mr-IN" sz="1600" spc="-5" smtClean="0">
+                <a:latin typeface="Lucida Console"/>
+                <a:cs typeface="Lucida Console"/>
+              </a:rPr>
+              <a:t>-</a:t>
+            </a:r>
+            <a:r>
+              <a:rPr lang="en-US" sz="1600" spc="-5" dirty="0" err="1" smtClean="0">
+                <a:latin typeface="Lucida Console"/>
+                <a:cs typeface="Lucida Console"/>
+              </a:rPr>
+              <a:t>Cgpu</a:t>
+            </a:r>
+            <a:r>
+              <a:rPr lang="en-US" sz="1600" spc="-5" dirty="0" smtClean="0">
+                <a:latin typeface="Lucida Console"/>
+                <a:cs typeface="Lucida Console"/>
+              </a:rPr>
+              <a:t> </a:t>
+            </a:r>
+            <a:r>
+              <a:rPr lang="mr-IN" sz="1600" spc="-5" dirty="0" smtClean="0">
+                <a:latin typeface="Lucida Console"/>
+                <a:cs typeface="Lucida Console"/>
+              </a:rPr>
+              <a:t>--</a:t>
+            </a:r>
+            <a:r>
+              <a:rPr lang="en-US" sz="1600" spc="-5" dirty="0" err="1" smtClean="0">
+                <a:latin typeface="Lucida Console"/>
+                <a:cs typeface="Lucida Console"/>
+              </a:rPr>
+              <a:t>reserv</a:t>
+            </a:r>
+            <a:r>
+              <a:rPr lang="en-US" sz="1600" spc="-5" dirty="0" smtClean="0">
+                <a:latin typeface="Lucida Console"/>
+                <a:cs typeface="Lucida Console"/>
+              </a:rPr>
+              <a:t>=summer </a:t>
+            </a:r>
+            <a:r>
+              <a:rPr sz="1600" spc="-5" dirty="0" smtClean="0">
+                <a:latin typeface="Lucida Console"/>
+                <a:cs typeface="Lucida Console"/>
+              </a:rPr>
+              <a:t>–n1 </a:t>
+            </a:r>
+            <a:r>
+              <a:rPr sz="1600" spc="-5" dirty="0">
+                <a:latin typeface="Lucida Console"/>
+                <a:cs typeface="Lucida Console"/>
+              </a:rPr>
+              <a:t>./main 128 128 100 0.01</a:t>
             </a:r>
             <a:r>
               <a:rPr sz="1600" spc="20" dirty="0">
@@ -30768,7 +30845,7 @@
               </a:rPr>
               <a:t>yes</a:t>
             </a:r>
-            <a:endParaRPr sz="1600">
+            <a:endParaRPr sz="1600" dirty="0">
               <a:latin typeface="Lucida Console"/>
               <a:cs typeface="Lucida Console"/>
             </a:endParaRPr>
@@ -33505,15 +33582,7 @@
                 <a:ea typeface="Courier" charset="0"/>
                 <a:cs typeface="Courier" charset="0"/>
               </a:rPr>
-              <a:t>=</a:t>
-            </a:r>
-            <a:r>
-              <a:rPr lang="mr-IN" sz="1500" dirty="0">
-                <a:latin typeface="Courier" charset="0"/>
-                <a:ea typeface="Courier" charset="0"/>
-                <a:cs typeface="Courier" charset="0"/>
-              </a:rPr>
-              <a:t>                      </a:t>
+              <a:t>=                      </a:t>
             </a:r>
             <a:r>
               <a:rPr lang="mr-IN" sz="1500" dirty="0" err="1">
